--- a/Морозов_дисс_н_презентация.pptx
+++ b/Морозов_дисс_н_презентация.pptx
@@ -1296,7 +1296,7 @@
         <p:spPr bwMode="auto">
           <a:xfrm>
             <a:off x="0" y="0"/>
-            <a:ext cx="9144000" cy="931862"/>
+            <a:ext cx="9144036" cy="920531"/>
           </a:xfrm>
           <a:prstGeom prst="rect">
             <a:avLst/>
@@ -1338,6 +1338,14 @@
               </a:spcBef>
               <a:defRPr/>
             </a:pPr>
+            <a:br>
+              <a:rPr sz="2400">
+                <a:solidFill>
+                  <a:schemeClr val="lt1"/>
+                </a:solidFill>
+                <a:latin typeface="Arial"/>
+              </a:rPr>
+            </a:br>
             <a:r>
               <a:rPr sz="2400">
                 <a:solidFill>
@@ -1640,6 +1648,9 @@
                 <a:buNone/>
                 <a:defRPr/>
               </a:pPr>
+              <a:br>
+                <a:rPr sz="1800"/>
+              </a:br>
               <a:r>
                 <a:rPr sz="1800"/>
                 <a:t>доцент,</a:t>
@@ -1684,7 +1695,7 @@
                 <a:rPr sz="1800"/>
                 <a:t> </a:t>
               </a:r>
-              <a:endParaRPr/>
+              <a:endParaRPr sz="1800"/>
             </a:p>
           </p:txBody>
         </p:sp>
@@ -1757,8 +1768,8 @@
         </p:nvSpPr>
         <p:spPr bwMode="auto">
           <a:xfrm>
-            <a:off x="1243012" y="3854450"/>
-            <a:ext cx="7056437" cy="641350"/>
+            <a:off x="1243011" y="3854449"/>
+            <a:ext cx="7056472" cy="640115"/>
           </a:xfrm>
           <a:prstGeom prst="rect">
             <a:avLst/>
@@ -1784,7 +1795,7 @@
                 </a:solidFill>
                 <a:latin typeface="Times New Roman"/>
               </a:rPr>
-              <a:t>Диссертация на соискание ученой степен</a:t>
+              <a:t>Диссертация на соискание ученой степени</a:t>
             </a:r>
             <a:br>
               <a:rPr sz="1800" b="1">
@@ -9282,160 +9293,9 @@
           <a:chExt cx="0" cy="0"/>
         </a:xfrm>
       </p:grpSpPr>
-      <p:sp>
-        <p:nvSpPr>
-          <p:cNvPr id="4" name="Прямая соединительная линия 22" hidden="0"/>
-          <p:cNvSpPr>
-            <a:spLocks noChangeShapeType="1" noGrp="1"/>
-          </p:cNvSpPr>
-          <p:nvPr isPhoto="0" userDrawn="0"/>
-        </p:nvSpPr>
-        <p:spPr bwMode="auto">
-          <a:xfrm flipV="1">
-            <a:off x="0" y="711200"/>
-            <a:ext cx="9155112" cy="9525"/>
-          </a:xfrm>
-          <a:prstGeom prst="line">
-            <a:avLst/>
-          </a:prstGeom>
-          <a:noFill/>
-          <a:ln w="19050">
-            <a:solidFill>
-              <a:schemeClr val="dk1"/>
-            </a:solidFill>
-            <a:miter/>
-            <a:headEnd/>
-            <a:tailEnd/>
-          </a:ln>
-        </p:spPr>
-        <p:txBody>
-          <a:bodyPr lIns="91440" tIns="45720" rIns="91440" bIns="45720"/>
-          <a:lstStyle/>
-          <a:p>
-            <a:pPr>
-              <a:defRPr/>
-            </a:pPr>
-            <a:endParaRPr/>
-          </a:p>
-        </p:txBody>
-      </p:sp>
-      <p:sp>
-        <p:nvSpPr>
-          <p:cNvPr id="5" name="Rectangle 2" hidden="0"/>
-          <p:cNvSpPr>
-            <a:spLocks noChangeShapeType="1" noGrp="1"/>
-          </p:cNvSpPr>
-          <p:nvPr isPhoto="0" userDrawn="0"/>
-        </p:nvSpPr>
-        <p:spPr bwMode="auto">
-          <a:xfrm>
-            <a:off x="0" y="0"/>
-            <a:ext cx="9144000" cy="685800"/>
-          </a:xfrm>
-          <a:prstGeom prst="rect">
-            <a:avLst/>
-          </a:prstGeom>
-          <a:noFill/>
-        </p:spPr>
-        <p:txBody>
-          <a:bodyPr lIns="91440" tIns="45720" rIns="91440" bIns="45720" anchor="ctr" anchorCtr="0"/>
-          <a:lstStyle>
-            <a:lvl1pPr marL="342900" indent="-342900" algn="l" defTabSz="914400">
-              <a:lnSpc>
-                <a:spcPct val="100000"/>
-              </a:lnSpc>
-              <a:spcBef>
-                <a:spcPts val="0"/>
-              </a:spcBef>
-              <a:buChar char="•"/>
-              <a:defRPr sz="3200">
-                <a:solidFill>
-                  <a:schemeClr val="dk1"/>
-                </a:solidFill>
-                <a:latin typeface="Arial"/>
-              </a:defRPr>
-            </a:lvl1pPr>
-            <a:lvl2pPr marL="742950" indent="-285750" algn="l" defTabSz="914400">
-              <a:lnSpc>
-                <a:spcPct val="100000"/>
-              </a:lnSpc>
-              <a:spcBef>
-                <a:spcPts val="0"/>
-              </a:spcBef>
-              <a:buChar char="–"/>
-              <a:defRPr sz="2800">
-                <a:solidFill>
-                  <a:schemeClr val="dk1"/>
-                </a:solidFill>
-                <a:latin typeface="Arial"/>
-              </a:defRPr>
-            </a:lvl2pPr>
-            <a:lvl3pPr marL="1143000" indent="-228600" algn="l" defTabSz="914400">
-              <a:lnSpc>
-                <a:spcPct val="100000"/>
-              </a:lnSpc>
-              <a:spcBef>
-                <a:spcPts val="0"/>
-              </a:spcBef>
-              <a:buChar char="•"/>
-              <a:defRPr sz="2400">
-                <a:solidFill>
-                  <a:schemeClr val="dk1"/>
-                </a:solidFill>
-                <a:latin typeface="Arial"/>
-              </a:defRPr>
-            </a:lvl3pPr>
-            <a:lvl4pPr marL="1600200" indent="-228600" algn="l" defTabSz="914400">
-              <a:lnSpc>
-                <a:spcPct val="100000"/>
-              </a:lnSpc>
-              <a:spcBef>
-                <a:spcPts val="0"/>
-              </a:spcBef>
-              <a:buChar char="–"/>
-              <a:defRPr sz="2000">
-                <a:solidFill>
-                  <a:schemeClr val="dk1"/>
-                </a:solidFill>
-                <a:latin typeface="Arial"/>
-              </a:defRPr>
-            </a:lvl4pPr>
-            <a:lvl5pPr marL="2057400" indent="-228600" algn="l" defTabSz="914400">
-              <a:lnSpc>
-                <a:spcPct val="100000"/>
-              </a:lnSpc>
-              <a:spcBef>
-                <a:spcPts val="0"/>
-              </a:spcBef>
-              <a:buChar char="»"/>
-              <a:defRPr sz="2000">
-                <a:solidFill>
-                  <a:schemeClr val="dk1"/>
-                </a:solidFill>
-                <a:latin typeface="Arial"/>
-              </a:defRPr>
-            </a:lvl5pPr>
-          </a:lstStyle>
-          <a:p>
-            <a:pPr marL="0" lvl="0" indent="0" algn="ctr">
-              <a:buNone/>
-              <a:defRPr/>
-            </a:pPr>
-            <a:r>
-              <a:rPr lang="ru-RU" sz="2000" b="1">
-                <a:solidFill>
-                  <a:srgbClr val="025EA1"/>
-                </a:solidFill>
-              </a:rPr>
-              <a:t>Частотная дисперсии в узкой полосе канала связи</a:t>
-            </a:r>
-            <a:endParaRPr/>
-          </a:p>
-        </p:txBody>
-      </p:sp>
       <p:pic>
         <p:nvPicPr>
-          <p:cNvPr id="6" name="Image 178181" hidden="0"/>
+          <p:cNvPr id="4" name="Image 178184" hidden="0"/>
           <p:cNvPicPr>
             <a:picLocks noChangeAspect="1" noGrp="1"/>
           </p:cNvPicPr>
@@ -9447,8 +9307,8 @@
         </p:blipFill>
         <p:spPr bwMode="auto">
           <a:xfrm flipH="0" flipV="0">
-            <a:off x="4622431" y="930274"/>
-            <a:ext cx="4265980" cy="2863580"/>
+            <a:off x="4611154" y="3971439"/>
+            <a:ext cx="4357974" cy="2453898"/>
           </a:xfrm>
           <a:prstGeom prst="rect">
             <a:avLst/>
@@ -9456,9 +9316,160 @@
           <a:noFill/>
         </p:spPr>
       </p:pic>
+      <p:sp>
+        <p:nvSpPr>
+          <p:cNvPr id="5" name="Прямая соединительная линия 22" hidden="0"/>
+          <p:cNvSpPr>
+            <a:spLocks noChangeShapeType="1" noGrp="1"/>
+          </p:cNvSpPr>
+          <p:nvPr isPhoto="0" userDrawn="0"/>
+        </p:nvSpPr>
+        <p:spPr bwMode="auto">
+          <a:xfrm flipV="1">
+            <a:off x="0" y="711200"/>
+            <a:ext cx="9155112" cy="9525"/>
+          </a:xfrm>
+          <a:prstGeom prst="line">
+            <a:avLst/>
+          </a:prstGeom>
+          <a:noFill/>
+          <a:ln w="19050">
+            <a:solidFill>
+              <a:schemeClr val="dk1"/>
+            </a:solidFill>
+            <a:miter/>
+            <a:headEnd/>
+            <a:tailEnd/>
+          </a:ln>
+        </p:spPr>
+        <p:txBody>
+          <a:bodyPr lIns="91440" tIns="45720" rIns="91440" bIns="45720"/>
+          <a:lstStyle/>
+          <a:p>
+            <a:pPr>
+              <a:defRPr/>
+            </a:pPr>
+            <a:endParaRPr/>
+          </a:p>
+        </p:txBody>
+      </p:sp>
+      <p:sp>
+        <p:nvSpPr>
+          <p:cNvPr id="6" name="Rectangle 2" hidden="0"/>
+          <p:cNvSpPr>
+            <a:spLocks noChangeShapeType="1" noGrp="1"/>
+          </p:cNvSpPr>
+          <p:nvPr isPhoto="0" userDrawn="0"/>
+        </p:nvSpPr>
+        <p:spPr bwMode="auto">
+          <a:xfrm>
+            <a:off x="0" y="0"/>
+            <a:ext cx="9144000" cy="685800"/>
+          </a:xfrm>
+          <a:prstGeom prst="rect">
+            <a:avLst/>
+          </a:prstGeom>
+          <a:noFill/>
+        </p:spPr>
+        <p:txBody>
+          <a:bodyPr lIns="91440" tIns="45720" rIns="91440" bIns="45720" anchor="ctr" anchorCtr="0"/>
+          <a:lstStyle>
+            <a:lvl1pPr marL="342900" indent="-342900" algn="l" defTabSz="914400">
+              <a:lnSpc>
+                <a:spcPct val="100000"/>
+              </a:lnSpc>
+              <a:spcBef>
+                <a:spcPts val="0"/>
+              </a:spcBef>
+              <a:buChar char="•"/>
+              <a:defRPr sz="3200">
+                <a:solidFill>
+                  <a:schemeClr val="dk1"/>
+                </a:solidFill>
+                <a:latin typeface="Arial"/>
+              </a:defRPr>
+            </a:lvl1pPr>
+            <a:lvl2pPr marL="742950" indent="-285750" algn="l" defTabSz="914400">
+              <a:lnSpc>
+                <a:spcPct val="100000"/>
+              </a:lnSpc>
+              <a:spcBef>
+                <a:spcPts val="0"/>
+              </a:spcBef>
+              <a:buChar char="–"/>
+              <a:defRPr sz="2800">
+                <a:solidFill>
+                  <a:schemeClr val="dk1"/>
+                </a:solidFill>
+                <a:latin typeface="Arial"/>
+              </a:defRPr>
+            </a:lvl2pPr>
+            <a:lvl3pPr marL="1143000" indent="-228600" algn="l" defTabSz="914400">
+              <a:lnSpc>
+                <a:spcPct val="100000"/>
+              </a:lnSpc>
+              <a:spcBef>
+                <a:spcPts val="0"/>
+              </a:spcBef>
+              <a:buChar char="•"/>
+              <a:defRPr sz="2400">
+                <a:solidFill>
+                  <a:schemeClr val="dk1"/>
+                </a:solidFill>
+                <a:latin typeface="Arial"/>
+              </a:defRPr>
+            </a:lvl3pPr>
+            <a:lvl4pPr marL="1600200" indent="-228600" algn="l" defTabSz="914400">
+              <a:lnSpc>
+                <a:spcPct val="100000"/>
+              </a:lnSpc>
+              <a:spcBef>
+                <a:spcPts val="0"/>
+              </a:spcBef>
+              <a:buChar char="–"/>
+              <a:defRPr sz="2000">
+                <a:solidFill>
+                  <a:schemeClr val="dk1"/>
+                </a:solidFill>
+                <a:latin typeface="Arial"/>
+              </a:defRPr>
+            </a:lvl4pPr>
+            <a:lvl5pPr marL="2057400" indent="-228600" algn="l" defTabSz="914400">
+              <a:lnSpc>
+                <a:spcPct val="100000"/>
+              </a:lnSpc>
+              <a:spcBef>
+                <a:spcPts val="0"/>
+              </a:spcBef>
+              <a:buChar char="»"/>
+              <a:defRPr sz="2000">
+                <a:solidFill>
+                  <a:schemeClr val="dk1"/>
+                </a:solidFill>
+                <a:latin typeface="Arial"/>
+              </a:defRPr>
+            </a:lvl5pPr>
+          </a:lstStyle>
+          <a:p>
+            <a:pPr marL="0" lvl="0" indent="0" algn="ctr">
+              <a:buNone/>
+              <a:defRPr/>
+            </a:pPr>
+            <a:r>
+              <a:rPr lang="ru-RU" sz="2000" b="1">
+                <a:solidFill>
+                  <a:srgbClr val="025EA1"/>
+                </a:solidFill>
+              </a:rPr>
+              <a:t>Частотная дисперсии в узкой полосе канала связи</a:t>
+            </a:r>
+            <a:endParaRPr/>
+          </a:p>
+        </p:txBody>
+      </p:sp>
       <p:pic>
         <p:nvPicPr>
-          <p:cNvPr id="7" name="Image 178182" hidden="0"/>
+          <p:cNvPr id="7" name="Image 178181" hidden="0"/>
           <p:cNvPicPr>
             <a:picLocks noChangeAspect="1" noGrp="1"/>
           </p:cNvPicPr>
@@ -9469,9 +9480,9 @@
           <a:stretch/>
         </p:blipFill>
         <p:spPr bwMode="auto">
-          <a:xfrm>
-            <a:off x="111125" y="765175"/>
-            <a:ext cx="4460875" cy="3048000"/>
+          <a:xfrm flipH="0" flipV="0">
+            <a:off x="4622431" y="930274"/>
+            <a:ext cx="4265980" cy="2863580"/>
           </a:xfrm>
           <a:prstGeom prst="rect">
             <a:avLst/>
@@ -9481,7 +9492,7 @@
       </p:pic>
       <p:pic>
         <p:nvPicPr>
-          <p:cNvPr id="8" name="Image 178183" hidden="0"/>
+          <p:cNvPr id="8" name="Image 178182" hidden="0"/>
           <p:cNvPicPr>
             <a:picLocks noChangeAspect="1" noGrp="1"/>
           </p:cNvPicPr>
@@ -9493,8 +9504,8 @@
         </p:blipFill>
         <p:spPr bwMode="auto">
           <a:xfrm>
-            <a:off x="34925" y="3827462"/>
-            <a:ext cx="4562475" cy="2914650"/>
+            <a:off x="111125" y="765175"/>
+            <a:ext cx="4460875" cy="3048000"/>
           </a:xfrm>
           <a:prstGeom prst="rect">
             <a:avLst/>
@@ -9504,7 +9515,7 @@
       </p:pic>
       <p:pic>
         <p:nvPicPr>
-          <p:cNvPr id="9" name="Image 178184" hidden="0"/>
+          <p:cNvPr id="9" name="Image 178183" hidden="0"/>
           <p:cNvPicPr>
             <a:picLocks noChangeAspect="1" noGrp="1"/>
           </p:cNvPicPr>
@@ -9515,9 +9526,9 @@
           <a:stretch/>
         </p:blipFill>
         <p:spPr bwMode="auto">
-          <a:xfrm flipH="0" flipV="0">
-            <a:off x="4611156" y="3971440"/>
-            <a:ext cx="4357975" cy="2804008"/>
+          <a:xfrm>
+            <a:off x="34925" y="3827462"/>
+            <a:ext cx="4562475" cy="2914650"/>
           </a:xfrm>
           <a:prstGeom prst="rect">
             <a:avLst/>
@@ -9620,6 +9631,138 @@
               <a:rPr/>
               <a:t> </a:t>
             </a:r>
+            <a:endParaRPr/>
+          </a:p>
+        </p:txBody>
+      </p:sp>
+      <p:sp>
+        <p:nvSpPr>
+          <p:cNvPr id="12" name="Rectangle 8" hidden="0"/>
+          <p:cNvSpPr txBox="1">
+            <a:spLocks noChangeShapeType="1" noGrp="1"/>
+          </p:cNvSpPr>
+          <p:nvPr isPhoto="0" userDrawn="0"/>
+        </p:nvSpPr>
+        <p:spPr bwMode="auto">
+          <a:xfrm>
+            <a:off x="7162799" y="6476999"/>
+            <a:ext cx="1904999" cy="304799"/>
+          </a:xfrm>
+          <a:prstGeom prst="rect">
+            <a:avLst/>
+          </a:prstGeom>
+          <a:noFill/>
+        </p:spPr>
+        <p:txBody>
+          <a:bodyPr lIns="92074" tIns="46037" rIns="92074" bIns="46037" anchor="ctr" anchorCtr="0"/>
+          <a:lstStyle>
+            <a:lvl1pPr marL="342900" indent="-342900" algn="l" defTabSz="914400">
+              <a:lnSpc>
+                <a:spcPct val="100000"/>
+              </a:lnSpc>
+              <a:spcBef>
+                <a:spcPts val="0"/>
+              </a:spcBef>
+              <a:buChar char="•"/>
+              <a:defRPr lang="ru-RU" sz="3200" b="1">
+                <a:solidFill>
+                  <a:schemeClr val="dk1"/>
+                </a:solidFill>
+                <a:latin typeface="Arial"/>
+                <a:ea typeface="Arial"/>
+                <a:cs typeface="Arial"/>
+              </a:defRPr>
+            </a:lvl1pPr>
+            <a:lvl2pPr marL="742950" indent="-285750" algn="l" defTabSz="914400">
+              <a:lnSpc>
+                <a:spcPct val="100000"/>
+              </a:lnSpc>
+              <a:spcBef>
+                <a:spcPts val="0"/>
+              </a:spcBef>
+              <a:buChar char="–"/>
+              <a:defRPr lang="ru-RU" sz="2800" b="1">
+                <a:solidFill>
+                  <a:schemeClr val="dk1"/>
+                </a:solidFill>
+                <a:latin typeface="Arial"/>
+                <a:ea typeface="Arial"/>
+                <a:cs typeface="Arial"/>
+              </a:defRPr>
+            </a:lvl2pPr>
+            <a:lvl3pPr marL="1143000" indent="-228600" algn="l" defTabSz="914400">
+              <a:lnSpc>
+                <a:spcPct val="100000"/>
+              </a:lnSpc>
+              <a:spcBef>
+                <a:spcPts val="0"/>
+              </a:spcBef>
+              <a:buChar char="•"/>
+              <a:defRPr lang="ru-RU" sz="2400" b="1">
+                <a:solidFill>
+                  <a:schemeClr val="dk1"/>
+                </a:solidFill>
+                <a:latin typeface="Arial"/>
+                <a:ea typeface="Arial"/>
+                <a:cs typeface="Arial"/>
+              </a:defRPr>
+            </a:lvl3pPr>
+            <a:lvl4pPr marL="1600200" indent="-228600" algn="l" defTabSz="914400">
+              <a:lnSpc>
+                <a:spcPct val="100000"/>
+              </a:lnSpc>
+              <a:spcBef>
+                <a:spcPts val="0"/>
+              </a:spcBef>
+              <a:buChar char="–"/>
+              <a:defRPr lang="ru-RU" sz="2000" b="1">
+                <a:solidFill>
+                  <a:schemeClr val="dk1"/>
+                </a:solidFill>
+                <a:latin typeface="Arial"/>
+                <a:ea typeface="Arial"/>
+                <a:cs typeface="Arial"/>
+              </a:defRPr>
+            </a:lvl4pPr>
+            <a:lvl5pPr marL="2057400" indent="-228600" algn="l" defTabSz="914400">
+              <a:lnSpc>
+                <a:spcPct val="100000"/>
+              </a:lnSpc>
+              <a:spcBef>
+                <a:spcPts val="0"/>
+              </a:spcBef>
+              <a:buChar char="»"/>
+              <a:defRPr lang="ru-RU" sz="2000" b="1">
+                <a:solidFill>
+                  <a:schemeClr val="dk1"/>
+                </a:solidFill>
+                <a:latin typeface="Arial"/>
+                <a:ea typeface="Arial"/>
+                <a:cs typeface="Arial"/>
+              </a:defRPr>
+            </a:lvl5pPr>
+            <a:lvl6pPr>
+              <a:defRPr lang="ru-RU" sz="1800"/>
+            </a:lvl6pPr>
+            <a:lvl7pPr>
+              <a:defRPr lang="ru-RU" sz="1800"/>
+            </a:lvl7pPr>
+            <a:lvl8pPr>
+              <a:defRPr lang="ru-RU" sz="1800"/>
+            </a:lvl8pPr>
+            <a:lvl9pPr>
+              <a:defRPr lang="ru-RU" sz="1800"/>
+            </a:lvl9pPr>
+          </a:lstStyle>
+          <a:p>
+            <a:pPr marL="0" lvl="0" indent="0" algn="r">
+              <a:buNone/>
+              <a:defRPr/>
+            </a:pPr>
+            <a:fld id="{2FF69194-FD6F-178F-008A-C00314CE67F4}" type="slidenum">
+              <a:rPr lang="ru-RU" sz="2800"/>
+              <a:t/>
+            </a:fld>
             <a:endParaRPr/>
           </a:p>
         </p:txBody>

--- a/Морозов_дисс_н_презентация.pptx
+++ b/Морозов_дисс_н_презентация.pptx
@@ -1376,10 +1376,10 @@
         </p:nvGrpSpPr>
         <p:grpSpPr bwMode="auto">
           <a:xfrm>
-            <a:off x="1600200" y="4800600"/>
-            <a:ext cx="7239000" cy="1309687"/>
-            <a:chOff x="1008" y="3024"/>
-            <a:chExt cx="4560" cy="824"/>
+            <a:off x="1600200" y="4800599"/>
+            <a:ext cx="7238999" cy="1311276"/>
+            <a:chOff x="0" y="0"/>
+            <a:chExt cx="7238999" cy="1311276"/>
           </a:xfrm>
         </p:grpSpPr>
         <p:sp>
@@ -1392,8 +1392,8 @@
           </p:nvSpPr>
           <p:spPr bwMode="auto">
             <a:xfrm>
-              <a:off x="1008" y="3024"/>
-              <a:ext cx="1821" cy="576"/>
+              <a:off x="0" y="0"/>
+              <a:ext cx="2890837" cy="915509"/>
             </a:xfrm>
             <a:prstGeom prst="rect">
               <a:avLst/>
@@ -1517,7 +1517,7 @@
               </a:r>
               <a:r>
                 <a:rPr sz="1800"/>
-                <a:t> :</a:t>
+                <a:t>:</a:t>
               </a:r>
               <a:endParaRPr/>
             </a:p>
@@ -1533,8 +1533,8 @@
           </p:nvSpPr>
           <p:spPr bwMode="auto">
             <a:xfrm>
-              <a:off x="2829" y="3024"/>
-              <a:ext cx="2739" cy="576"/>
+              <a:off x="2890837" y="0"/>
+              <a:ext cx="4348162" cy="915509"/>
             </a:xfrm>
             <a:prstGeom prst="rect">
               <a:avLst/>
@@ -1701,7 +1701,7 @@
         </p:sp>
         <p:sp>
           <p:nvSpPr>
-            <p:cNvPr id="8" name="Shape 201736" hidden="0"/>
+            <p:cNvPr id="8" name="Shape 201737" hidden="0"/>
             <p:cNvSpPr>
               <a:spLocks noChangeShapeType="1"/>
             </p:cNvSpPr>
@@ -1709,37 +1709,8 @@
           </p:nvSpPr>
           <p:spPr bwMode="auto">
             <a:xfrm>
-              <a:off x="1008" y="3600"/>
-              <a:ext cx="1821" cy="249"/>
-            </a:xfrm>
-            <a:prstGeom prst="rect">
-              <a:avLst/>
-            </a:prstGeom>
-            <a:noFill/>
-          </p:spPr>
-          <p:txBody>
-            <a:bodyPr lIns="91440" tIns="45720" rIns="91440" bIns="45720"/>
-            <a:lstStyle/>
-            <a:p>
-              <a:pPr>
-                <a:defRPr/>
-              </a:pPr>
-              <a:endParaRPr/>
-            </a:p>
-          </p:txBody>
-        </p:sp>
-        <p:sp>
-          <p:nvSpPr>
-            <p:cNvPr id="9" name="Shape 201737" hidden="0"/>
-            <p:cNvSpPr>
-              <a:spLocks noChangeShapeType="1"/>
-            </p:cNvSpPr>
-            <p:nvPr isPhoto="0" userDrawn="0"/>
-          </p:nvSpPr>
-          <p:spPr bwMode="auto">
-            <a:xfrm>
-              <a:off x="2829" y="3600"/>
-              <a:ext cx="2739" cy="249"/>
+              <a:off x="2890837" y="915509"/>
+              <a:ext cx="4348162" cy="395766"/>
             </a:xfrm>
             <a:prstGeom prst="rect">
               <a:avLst/>
@@ -1760,7 +1731,7 @@
       </p:grpSp>
       <p:sp>
         <p:nvSpPr>
-          <p:cNvPr id="10" name="Text Box 39" hidden="0"/>
+          <p:cNvPr id="9" name="Text Box 39" hidden="0"/>
           <p:cNvSpPr txBox="1">
             <a:spLocks noChangeShapeType="1" noGrp="1"/>
           </p:cNvSpPr>
@@ -1820,7 +1791,7 @@
       </p:sp>
       <p:sp>
         <p:nvSpPr>
-          <p:cNvPr id="11" name="Rectangle 14" hidden="0"/>
+          <p:cNvPr id="10" name="Rectangle 14" hidden="0"/>
           <p:cNvSpPr>
             <a:spLocks noChangeShapeType="1" noGrp="1"/>
           </p:cNvSpPr>
@@ -1828,8 +1799,8 @@
         </p:nvSpPr>
         <p:spPr bwMode="auto">
           <a:xfrm>
-            <a:off x="990600" y="3124200"/>
-            <a:ext cx="7696200" cy="504825"/>
+            <a:off x="990599" y="3124199"/>
+            <a:ext cx="7696559" cy="502955"/>
           </a:xfrm>
           <a:prstGeom prst="rect">
             <a:avLst/>
@@ -1882,7 +1853,7 @@
                 </a:solidFill>
                 <a:latin typeface="Times New Roman"/>
               </a:rPr>
-              <a:t>05.12.04</a:t>
+              <a:t>2.2.13</a:t>
             </a:r>
             <a:r>
               <a:rPr lang="ru-RU" sz="1800" b="1">
@@ -1899,7 +1870,7 @@
       </p:sp>
       <p:sp>
         <p:nvSpPr>
-          <p:cNvPr id="12" name="Shape 201740" hidden="0"/>
+          <p:cNvPr id="11" name="Shape 201740" hidden="0"/>
           <p:cNvSpPr>
             <a:spLocks noChangeShapeType="1" noGrp="1"/>
           </p:cNvSpPr>
@@ -1938,7 +1909,7 @@
               <a:rPr sz="2600">
                 <a:latin typeface="Arial"/>
               </a:rPr>
-              <a:t> в сигнальных и измерительных трактах </a:t>
+              <a:t> в каналах связи </a:t>
             </a:r>
             <a:endParaRPr/>
           </a:p>
